--- a/SQL Capstone.pptx
+++ b/SQL Capstone.pptx
@@ -290,7 +290,7 @@
           <a:p>
             <a:fld id="{DF2B755F-C499-4B4F-8DF4-A305F38B8233}" type="datetimeFigureOut">
               <a:rPr lang="en-IN" smtClean="0"/>
-              <a:t>18-08-2024</a:t>
+              <a:t>11-09-2024</a:t>
             </a:fld>
             <a:endParaRPr lang="en-IN"/>
           </a:p>
@@ -791,7 +791,7 @@
           <a:p>
             <a:fld id="{2C18A3B8-8683-4B36-9BE1-AD5836AE8630}" type="datetimeFigureOut">
               <a:rPr lang="en-IN" smtClean="0"/>
-              <a:t>18-08-2024</a:t>
+              <a:t>11-09-2024</a:t>
             </a:fld>
             <a:endParaRPr lang="en-IN"/>
           </a:p>
@@ -991,7 +991,7 @@
           <a:p>
             <a:fld id="{2C18A3B8-8683-4B36-9BE1-AD5836AE8630}" type="datetimeFigureOut">
               <a:rPr lang="en-IN" smtClean="0"/>
-              <a:t>18-08-2024</a:t>
+              <a:t>11-09-2024</a:t>
             </a:fld>
             <a:endParaRPr lang="en-IN"/>
           </a:p>
@@ -1201,7 +1201,7 @@
           <a:p>
             <a:fld id="{2C18A3B8-8683-4B36-9BE1-AD5836AE8630}" type="datetimeFigureOut">
               <a:rPr lang="en-IN" smtClean="0"/>
-              <a:t>18-08-2024</a:t>
+              <a:t>11-09-2024</a:t>
             </a:fld>
             <a:endParaRPr lang="en-IN"/>
           </a:p>
@@ -1401,7 +1401,7 @@
           <a:p>
             <a:fld id="{2C18A3B8-8683-4B36-9BE1-AD5836AE8630}" type="datetimeFigureOut">
               <a:rPr lang="en-IN" smtClean="0"/>
-              <a:t>18-08-2024</a:t>
+              <a:t>11-09-2024</a:t>
             </a:fld>
             <a:endParaRPr lang="en-IN"/>
           </a:p>
@@ -1677,7 +1677,7 @@
           <a:p>
             <a:fld id="{2C18A3B8-8683-4B36-9BE1-AD5836AE8630}" type="datetimeFigureOut">
               <a:rPr lang="en-IN" smtClean="0"/>
-              <a:t>18-08-2024</a:t>
+              <a:t>11-09-2024</a:t>
             </a:fld>
             <a:endParaRPr lang="en-IN"/>
           </a:p>
@@ -1945,7 +1945,7 @@
           <a:p>
             <a:fld id="{2C18A3B8-8683-4B36-9BE1-AD5836AE8630}" type="datetimeFigureOut">
               <a:rPr lang="en-IN" smtClean="0"/>
-              <a:t>18-08-2024</a:t>
+              <a:t>11-09-2024</a:t>
             </a:fld>
             <a:endParaRPr lang="en-IN"/>
           </a:p>
@@ -2360,7 +2360,7 @@
           <a:p>
             <a:fld id="{2C18A3B8-8683-4B36-9BE1-AD5836AE8630}" type="datetimeFigureOut">
               <a:rPr lang="en-IN" smtClean="0"/>
-              <a:t>18-08-2024</a:t>
+              <a:t>11-09-2024</a:t>
             </a:fld>
             <a:endParaRPr lang="en-IN"/>
           </a:p>
@@ -2502,7 +2502,7 @@
           <a:p>
             <a:fld id="{2C18A3B8-8683-4B36-9BE1-AD5836AE8630}" type="datetimeFigureOut">
               <a:rPr lang="en-IN" smtClean="0"/>
-              <a:t>18-08-2024</a:t>
+              <a:t>11-09-2024</a:t>
             </a:fld>
             <a:endParaRPr lang="en-IN"/>
           </a:p>
@@ -2615,7 +2615,7 @@
           <a:p>
             <a:fld id="{2C18A3B8-8683-4B36-9BE1-AD5836AE8630}" type="datetimeFigureOut">
               <a:rPr lang="en-IN" smtClean="0"/>
-              <a:t>18-08-2024</a:t>
+              <a:t>11-09-2024</a:t>
             </a:fld>
             <a:endParaRPr lang="en-IN"/>
           </a:p>
@@ -2928,7 +2928,7 @@
           <a:p>
             <a:fld id="{2C18A3B8-8683-4B36-9BE1-AD5836AE8630}" type="datetimeFigureOut">
               <a:rPr lang="en-IN" smtClean="0"/>
-              <a:t>18-08-2024</a:t>
+              <a:t>11-09-2024</a:t>
             </a:fld>
             <a:endParaRPr lang="en-IN"/>
           </a:p>
@@ -3217,7 +3217,7 @@
           <a:p>
             <a:fld id="{2C18A3B8-8683-4B36-9BE1-AD5836AE8630}" type="datetimeFigureOut">
               <a:rPr lang="en-IN" smtClean="0"/>
-              <a:t>18-08-2024</a:t>
+              <a:t>11-09-2024</a:t>
             </a:fld>
             <a:endParaRPr lang="en-IN"/>
           </a:p>
@@ -3460,7 +3460,7 @@
           <a:p>
             <a:fld id="{2C18A3B8-8683-4B36-9BE1-AD5836AE8630}" type="datetimeFigureOut">
               <a:rPr lang="en-IN" smtClean="0"/>
-              <a:t>18-08-2024</a:t>
+              <a:t>11-09-2024</a:t>
             </a:fld>
             <a:endParaRPr lang="en-IN"/>
           </a:p>
@@ -3906,7 +3906,14 @@
             <a:pPr algn="ctr"/>
             <a:r>
               <a:rPr lang="en-IN" dirty="0"/>
-              <a:t>Amazon Sales Data Analysis Using MySQL.</a:t>
+              <a:t>Amazon Sales Data Analysis </a:t>
+            </a:r>
+            <a:br>
+              <a:rPr lang="en-IN" dirty="0"/>
+            </a:br>
+            <a:r>
+              <a:rPr lang="en-IN" dirty="0"/>
+              <a:t>Using MySQL.</a:t>
             </a:r>
           </a:p>
         </p:txBody>
@@ -14353,14 +14360,21 @@
             <p:ph type="title"/>
           </p:nvPr>
         </p:nvSpPr>
-        <p:spPr/>
-        <p:txBody>
-          <a:bodyPr/>
+        <p:spPr>
+          <a:xfrm>
+            <a:off x="275303" y="250724"/>
+            <a:ext cx="9412705" cy="581359"/>
+          </a:xfrm>
+        </p:spPr>
+        <p:txBody>
+          <a:bodyPr>
+            <a:normAutofit fontScale="90000"/>
+          </a:bodyPr>
           <a:lstStyle/>
           <a:p>
             <a:r>
               <a:rPr lang="en-IN" dirty="0"/>
-              <a:t>Conclusion</a:t>
+              <a:t>Insights</a:t>
             </a:r>
           </a:p>
         </p:txBody>
@@ -14383,81 +14397,126 @@
         </p:nvSpPr>
         <p:spPr>
           <a:xfrm>
-            <a:off x="838199" y="1530657"/>
-            <a:ext cx="10921181" cy="4962218"/>
+            <a:off x="275303" y="1317522"/>
+            <a:ext cx="11198942" cy="4708395"/>
           </a:xfrm>
         </p:spPr>
         <p:txBody>
           <a:bodyPr>
-            <a:normAutofit fontScale="92500" lnSpcReduction="10000"/>
+            <a:normAutofit lnSpcReduction="10000"/>
           </a:bodyPr>
           <a:lstStyle/>
           <a:p>
-            <a:r>
-              <a:rPr lang="en-US" dirty="0"/>
-              <a:t>The food and beverages product line has the highest sales in January in </a:t>
-            </a:r>
-            <a:r>
-              <a:rPr lang="en-US" dirty="0" err="1"/>
+            <a:pPr marL="457200" indent="-457200">
+              <a:buFont typeface="+mj-lt"/>
+              <a:buAutoNum type="arabicPeriod"/>
+            </a:pPr>
+            <a:r>
+              <a:rPr lang="en-IN" sz="2000" dirty="0"/>
+              <a:t>Product Analysis:-</a:t>
+            </a:r>
+          </a:p>
+          <a:p>
+            <a:pPr lvl="1"/>
+            <a:r>
+              <a:rPr lang="en-IN" sz="2000" dirty="0"/>
+              <a:t>6 Different product lines</a:t>
+            </a:r>
+          </a:p>
+          <a:p>
+            <a:pPr lvl="1"/>
+            <a:r>
+              <a:rPr lang="en-IN" sz="2000" dirty="0"/>
+              <a:t>Food and beverages performed well and Health and beauty need to be improved.</a:t>
+            </a:r>
+          </a:p>
+          <a:p>
+            <a:pPr lvl="1"/>
+            <a:r>
+              <a:rPr lang="en-IN" sz="2000" dirty="0"/>
+              <a:t> The food and beverages product line has the highest average rating.</a:t>
+            </a:r>
+          </a:p>
+          <a:p>
+            <a:pPr marL="457200" indent="-457200">
+              <a:buFont typeface="+mj-lt"/>
+              <a:buAutoNum type="arabicPeriod"/>
+            </a:pPr>
+            <a:r>
+              <a:rPr lang="en-IN" sz="2000" dirty="0"/>
+              <a:t>Customer analysis:- </a:t>
+            </a:r>
+          </a:p>
+          <a:p>
+            <a:pPr lvl="1"/>
+            <a:r>
+              <a:rPr lang="en-IN" sz="2000" dirty="0"/>
+              <a:t>Member customer type contributes highly to revenue with the most purchase frequency.</a:t>
+            </a:r>
+          </a:p>
+          <a:p>
+            <a:pPr lvl="1"/>
+            <a:r>
+              <a:rPr lang="en-IN" sz="2000" dirty="0"/>
+              <a:t>In the afternoon, the customer provides the most ratings.</a:t>
+            </a:r>
+          </a:p>
+          <a:p>
+            <a:pPr lvl="1"/>
+            <a:r>
+              <a:rPr lang="en-IN" sz="2000" dirty="0"/>
+              <a:t>Females are the predominant gender among customers.</a:t>
+            </a:r>
+          </a:p>
+          <a:p>
+            <a:pPr marL="457200" indent="-457200">
+              <a:buFont typeface="+mj-lt"/>
+              <a:buAutoNum type="arabicPeriod"/>
+            </a:pPr>
+            <a:r>
+              <a:rPr lang="en-IN" sz="2000" dirty="0"/>
+              <a:t>Sales Analysis:- </a:t>
+            </a:r>
+          </a:p>
+          <a:p>
+            <a:pPr lvl="1"/>
+            <a:r>
+              <a:rPr lang="en-IN" sz="2000" dirty="0" err="1"/>
+              <a:t>Ewallet</a:t>
+            </a:r>
+            <a:r>
+              <a:rPr lang="en-IN" sz="2000" dirty="0"/>
+              <a:t> payment method occurred most frequently</a:t>
+            </a:r>
+          </a:p>
+          <a:p>
+            <a:pPr lvl="1"/>
+            <a:r>
+              <a:rPr lang="en-IN" sz="2000" dirty="0"/>
+              <a:t>In January, in the city of </a:t>
+            </a:r>
+            <a:r>
+              <a:rPr lang="en-IN" sz="2000" dirty="0" err="1"/>
               <a:t>Naypitaw</a:t>
             </a:r>
             <a:r>
-              <a:rPr lang="en-US" dirty="0"/>
-              <a:t>.</a:t>
-            </a:r>
-          </a:p>
-          <a:p>
-            <a:endParaRPr lang="en-US" dirty="0"/>
-          </a:p>
-          <a:p>
-            <a:r>
-              <a:rPr lang="en-US" dirty="0"/>
-              <a:t>The food and beverages product line has the highest average rating.</a:t>
-            </a:r>
-          </a:p>
-          <a:p>
-            <a:endParaRPr lang="en-US" dirty="0"/>
-          </a:p>
-          <a:p>
-            <a:r>
-              <a:rPr lang="en-US" dirty="0"/>
-              <a:t>On Saturday we have max occurrences of sales and the most </a:t>
-            </a:r>
-            <a:r>
-              <a:rPr lang="en-US" dirty="0" err="1"/>
-              <a:t>occured</a:t>
-            </a:r>
-            <a:r>
-              <a:rPr lang="en-US" dirty="0"/>
-              <a:t> payment method is </a:t>
-            </a:r>
-            <a:r>
-              <a:rPr lang="en-US" dirty="0" err="1"/>
-              <a:t>Ewallet</a:t>
-            </a:r>
-            <a:r>
-              <a:rPr lang="en-US" dirty="0"/>
-              <a:t>.</a:t>
-            </a:r>
-          </a:p>
-          <a:p>
-            <a:endParaRPr lang="en-US" dirty="0"/>
-          </a:p>
-          <a:p>
-            <a:r>
-              <a:rPr lang="en-US" dirty="0"/>
-              <a:t>In the afternoon, the customer provided the most ratings.</a:t>
-            </a:r>
-          </a:p>
-          <a:p>
-            <a:endParaRPr lang="en-US" dirty="0"/>
-          </a:p>
-          <a:p>
-            <a:r>
-              <a:rPr lang="en-US" dirty="0"/>
-              <a:t>On Monday and in branch B we have max average rating.</a:t>
-            </a:r>
-            <a:endParaRPr lang="en-IN" dirty="0"/>
+              <a:rPr lang="en-IN" sz="2000" dirty="0"/>
+              <a:t>, the highest revenue and COGS were recorded.</a:t>
+            </a:r>
+          </a:p>
+          <a:p>
+            <a:pPr lvl="1"/>
+            <a:r>
+              <a:rPr lang="en-IN" sz="2000" dirty="0"/>
+              <a:t>On Saturday, a maximum no. of sales occurred.</a:t>
+            </a:r>
+          </a:p>
+          <a:p>
+            <a:pPr lvl="1"/>
+            <a:r>
+              <a:rPr lang="en-IN" sz="2000" dirty="0"/>
+              <a:t>On Monday, for branch “B” maximum average rating given, and Branch “B” associated with city Mandalay.</a:t>
+            </a:r>
           </a:p>
         </p:txBody>
       </p:sp>
